--- a/Unix Introduction (day 1).pptx
+++ b/Unix Introduction (day 1).pptx
@@ -259,7 +259,7 @@
           <a:p>
             <a:fld id="{44DB051A-0746-4CA0-A5DB-28CA54B19302}" type="datetimeFigureOut">
               <a:rPr lang="en-GB" smtClean="0"/>
-              <a:t>26/01/2024</a:t>
+              <a:t>12/02/2024</a:t>
             </a:fld>
             <a:endParaRPr lang="en-GB"/>
           </a:p>
@@ -947,7 +947,7 @@
           <a:p>
             <a:fld id="{C2A6F080-1DEF-4F63-BC52-259345FD7597}" type="datetimeFigureOut">
               <a:rPr lang="en-GB" smtClean="0"/>
-              <a:t>26/01/2024</a:t>
+              <a:t>12/02/2024</a:t>
             </a:fld>
             <a:endParaRPr lang="en-GB"/>
           </a:p>
@@ -1147,7 +1147,7 @@
           <a:p>
             <a:fld id="{C2A6F080-1DEF-4F63-BC52-259345FD7597}" type="datetimeFigureOut">
               <a:rPr lang="en-GB" smtClean="0"/>
-              <a:t>26/01/2024</a:t>
+              <a:t>12/02/2024</a:t>
             </a:fld>
             <a:endParaRPr lang="en-GB"/>
           </a:p>
@@ -1357,7 +1357,7 @@
           <a:p>
             <a:fld id="{C2A6F080-1DEF-4F63-BC52-259345FD7597}" type="datetimeFigureOut">
               <a:rPr lang="en-GB" smtClean="0"/>
-              <a:t>26/01/2024</a:t>
+              <a:t>12/02/2024</a:t>
             </a:fld>
             <a:endParaRPr lang="en-GB"/>
           </a:p>
@@ -1557,7 +1557,7 @@
           <a:p>
             <a:fld id="{C2A6F080-1DEF-4F63-BC52-259345FD7597}" type="datetimeFigureOut">
               <a:rPr lang="en-GB" smtClean="0"/>
-              <a:t>26/01/2024</a:t>
+              <a:t>12/02/2024</a:t>
             </a:fld>
             <a:endParaRPr lang="en-GB"/>
           </a:p>
@@ -1833,7 +1833,7 @@
           <a:p>
             <a:fld id="{C2A6F080-1DEF-4F63-BC52-259345FD7597}" type="datetimeFigureOut">
               <a:rPr lang="en-GB" smtClean="0"/>
-              <a:t>26/01/2024</a:t>
+              <a:t>12/02/2024</a:t>
             </a:fld>
             <a:endParaRPr lang="en-GB"/>
           </a:p>
@@ -2101,7 +2101,7 @@
           <a:p>
             <a:fld id="{C2A6F080-1DEF-4F63-BC52-259345FD7597}" type="datetimeFigureOut">
               <a:rPr lang="en-GB" smtClean="0"/>
-              <a:t>26/01/2024</a:t>
+              <a:t>12/02/2024</a:t>
             </a:fld>
             <a:endParaRPr lang="en-GB"/>
           </a:p>
@@ -2516,7 +2516,7 @@
           <a:p>
             <a:fld id="{C2A6F080-1DEF-4F63-BC52-259345FD7597}" type="datetimeFigureOut">
               <a:rPr lang="en-GB" smtClean="0"/>
-              <a:t>26/01/2024</a:t>
+              <a:t>12/02/2024</a:t>
             </a:fld>
             <a:endParaRPr lang="en-GB"/>
           </a:p>
@@ -2658,7 +2658,7 @@
           <a:p>
             <a:fld id="{C2A6F080-1DEF-4F63-BC52-259345FD7597}" type="datetimeFigureOut">
               <a:rPr lang="en-GB" smtClean="0"/>
-              <a:t>26/01/2024</a:t>
+              <a:t>12/02/2024</a:t>
             </a:fld>
             <a:endParaRPr lang="en-GB"/>
           </a:p>
@@ -2771,7 +2771,7 @@
           <a:p>
             <a:fld id="{C2A6F080-1DEF-4F63-BC52-259345FD7597}" type="datetimeFigureOut">
               <a:rPr lang="en-GB" smtClean="0"/>
-              <a:t>26/01/2024</a:t>
+              <a:t>12/02/2024</a:t>
             </a:fld>
             <a:endParaRPr lang="en-GB"/>
           </a:p>
@@ -3084,7 +3084,7 @@
           <a:p>
             <a:fld id="{C2A6F080-1DEF-4F63-BC52-259345FD7597}" type="datetimeFigureOut">
               <a:rPr lang="en-GB" smtClean="0"/>
-              <a:t>26/01/2024</a:t>
+              <a:t>12/02/2024</a:t>
             </a:fld>
             <a:endParaRPr lang="en-GB"/>
           </a:p>
@@ -3373,7 +3373,7 @@
           <a:p>
             <a:fld id="{C2A6F080-1DEF-4F63-BC52-259345FD7597}" type="datetimeFigureOut">
               <a:rPr lang="en-GB" smtClean="0"/>
-              <a:t>26/01/2024</a:t>
+              <a:t>12/02/2024</a:t>
             </a:fld>
             <a:endParaRPr lang="en-GB"/>
           </a:p>
@@ -3616,7 +3616,7 @@
           <a:p>
             <a:fld id="{C2A6F080-1DEF-4F63-BC52-259345FD7597}" type="datetimeFigureOut">
               <a:rPr lang="en-GB" smtClean="0"/>
-              <a:t>26/01/2024</a:t>
+              <a:t>12/02/2024</a:t>
             </a:fld>
             <a:endParaRPr lang="en-GB"/>
           </a:p>
@@ -10192,8 +10192,8 @@
         </p:nvSpPr>
         <p:spPr>
           <a:xfrm>
-            <a:off x="1014883" y="1720840"/>
-            <a:ext cx="5687367" cy="3693319"/>
+            <a:off x="926541" y="1599228"/>
+            <a:ext cx="10338917" cy="4893647"/>
           </a:xfrm>
           <a:prstGeom prst="rect">
             <a:avLst/>
@@ -10207,76 +10207,102 @@
           <a:lstStyle/>
           <a:p>
             <a:r>
-              <a:rPr lang="en-GB" dirty="0"/>
+              <a:rPr lang="en-GB" sz="2400" dirty="0">
+                <a:latin typeface="+mj-lt"/>
+              </a:rPr>
               <a:t>- Locate your Desktop folder </a:t>
             </a:r>
           </a:p>
           <a:p>
             <a:r>
-              <a:rPr lang="en-GB" dirty="0"/>
+              <a:rPr lang="en-GB" sz="2400" dirty="0">
+                <a:latin typeface="+mj-lt"/>
+              </a:rPr>
               <a:t>- Move to your Desktop folder </a:t>
             </a:r>
           </a:p>
           <a:p>
             <a:r>
-              <a:rPr lang="en-GB" dirty="0"/>
+              <a:rPr lang="en-GB" sz="2400" dirty="0">
+                <a:latin typeface="+mj-lt"/>
+              </a:rPr>
               <a:t>- Create a directory with the following internal pattern:</a:t>
             </a:r>
           </a:p>
           <a:p>
-            <a:endParaRPr lang="en-GB" dirty="0"/>
-          </a:p>
-          <a:p>
-            <a:r>
-              <a:rPr lang="en-GB" b="1" dirty="0"/>
+            <a:endParaRPr lang="en-GB" sz="2400" dirty="0">
+              <a:latin typeface="+mj-lt"/>
+            </a:endParaRPr>
+          </a:p>
+          <a:p>
+            <a:r>
+              <a:rPr lang="en-GB" sz="2400" b="1" dirty="0">
+                <a:latin typeface="+mj-lt"/>
+              </a:rPr>
               <a:t>Thesis</a:t>
             </a:r>
           </a:p>
           <a:p>
             <a:r>
-              <a:rPr lang="en-GB" dirty="0"/>
+              <a:rPr lang="en-GB" sz="2400" dirty="0">
+                <a:latin typeface="+mj-lt"/>
+              </a:rPr>
               <a:t>|── data/</a:t>
             </a:r>
           </a:p>
           <a:p>
             <a:r>
-              <a:rPr lang="en-GB" dirty="0"/>
+              <a:rPr lang="en-GB" sz="2400" dirty="0">
+                <a:latin typeface="+mj-lt"/>
+              </a:rPr>
               <a:t>│   |── a.dat</a:t>
             </a:r>
           </a:p>
           <a:p>
             <a:r>
-              <a:rPr lang="en-GB" dirty="0"/>
+              <a:rPr lang="en-GB" sz="2400" dirty="0">
+                <a:latin typeface="+mj-lt"/>
+              </a:rPr>
               <a:t>│   |── b.dat</a:t>
             </a:r>
           </a:p>
           <a:p>
             <a:r>
-              <a:rPr lang="en-GB" dirty="0"/>
+              <a:rPr lang="en-GB" sz="2400" dirty="0">
+                <a:latin typeface="+mj-lt"/>
+              </a:rPr>
               <a:t>│   |── c.dat</a:t>
             </a:r>
           </a:p>
           <a:p>
             <a:r>
-              <a:rPr lang="en-GB" dirty="0"/>
+              <a:rPr lang="en-GB" sz="2400" dirty="0">
+                <a:latin typeface="+mj-lt"/>
+              </a:rPr>
               <a:t>|── docs/</a:t>
             </a:r>
           </a:p>
           <a:p>
             <a:r>
-              <a:rPr lang="en-GB" dirty="0"/>
+              <a:rPr lang="en-GB" sz="2400" dirty="0">
+                <a:latin typeface="+mj-lt"/>
+              </a:rPr>
               <a:t>|── scripts/</a:t>
             </a:r>
           </a:p>
           <a:p>
             <a:r>
-              <a:rPr lang="en-GB" dirty="0"/>
+              <a:rPr lang="en-GB" sz="2400" dirty="0">
+                <a:latin typeface="+mj-lt"/>
+              </a:rPr>
               <a:t>      |── raw_data_processing.py</a:t>
             </a:r>
           </a:p>
           <a:p>
             <a:r>
-              <a:rPr lang="en-GB" dirty="0"/>
+              <a:rPr lang="en-GB" sz="2400" dirty="0">
+                <a:latin typeface="+mj-lt"/>
+              </a:rPr>
               <a:t>manuscript.tex</a:t>
             </a:r>
           </a:p>

--- a/Unix Introduction (day 1).pptx
+++ b/Unix Introduction (day 1).pptx
@@ -259,7 +259,7 @@
           <a:p>
             <a:fld id="{44DB051A-0746-4CA0-A5DB-28CA54B19302}" type="datetimeFigureOut">
               <a:rPr lang="en-GB" smtClean="0"/>
-              <a:t>12/02/2024</a:t>
+              <a:t>15/02/2024</a:t>
             </a:fld>
             <a:endParaRPr lang="en-GB"/>
           </a:p>
@@ -947,7 +947,7 @@
           <a:p>
             <a:fld id="{C2A6F080-1DEF-4F63-BC52-259345FD7597}" type="datetimeFigureOut">
               <a:rPr lang="en-GB" smtClean="0"/>
-              <a:t>12/02/2024</a:t>
+              <a:t>15/02/2024</a:t>
             </a:fld>
             <a:endParaRPr lang="en-GB"/>
           </a:p>
@@ -1147,7 +1147,7 @@
           <a:p>
             <a:fld id="{C2A6F080-1DEF-4F63-BC52-259345FD7597}" type="datetimeFigureOut">
               <a:rPr lang="en-GB" smtClean="0"/>
-              <a:t>12/02/2024</a:t>
+              <a:t>15/02/2024</a:t>
             </a:fld>
             <a:endParaRPr lang="en-GB"/>
           </a:p>
@@ -1357,7 +1357,7 @@
           <a:p>
             <a:fld id="{C2A6F080-1DEF-4F63-BC52-259345FD7597}" type="datetimeFigureOut">
               <a:rPr lang="en-GB" smtClean="0"/>
-              <a:t>12/02/2024</a:t>
+              <a:t>15/02/2024</a:t>
             </a:fld>
             <a:endParaRPr lang="en-GB"/>
           </a:p>
@@ -1557,7 +1557,7 @@
           <a:p>
             <a:fld id="{C2A6F080-1DEF-4F63-BC52-259345FD7597}" type="datetimeFigureOut">
               <a:rPr lang="en-GB" smtClean="0"/>
-              <a:t>12/02/2024</a:t>
+              <a:t>15/02/2024</a:t>
             </a:fld>
             <a:endParaRPr lang="en-GB"/>
           </a:p>
@@ -1833,7 +1833,7 @@
           <a:p>
             <a:fld id="{C2A6F080-1DEF-4F63-BC52-259345FD7597}" type="datetimeFigureOut">
               <a:rPr lang="en-GB" smtClean="0"/>
-              <a:t>12/02/2024</a:t>
+              <a:t>15/02/2024</a:t>
             </a:fld>
             <a:endParaRPr lang="en-GB"/>
           </a:p>
@@ -2101,7 +2101,7 @@
           <a:p>
             <a:fld id="{C2A6F080-1DEF-4F63-BC52-259345FD7597}" type="datetimeFigureOut">
               <a:rPr lang="en-GB" smtClean="0"/>
-              <a:t>12/02/2024</a:t>
+              <a:t>15/02/2024</a:t>
             </a:fld>
             <a:endParaRPr lang="en-GB"/>
           </a:p>
@@ -2516,7 +2516,7 @@
           <a:p>
             <a:fld id="{C2A6F080-1DEF-4F63-BC52-259345FD7597}" type="datetimeFigureOut">
               <a:rPr lang="en-GB" smtClean="0"/>
-              <a:t>12/02/2024</a:t>
+              <a:t>15/02/2024</a:t>
             </a:fld>
             <a:endParaRPr lang="en-GB"/>
           </a:p>
@@ -2658,7 +2658,7 @@
           <a:p>
             <a:fld id="{C2A6F080-1DEF-4F63-BC52-259345FD7597}" type="datetimeFigureOut">
               <a:rPr lang="en-GB" smtClean="0"/>
-              <a:t>12/02/2024</a:t>
+              <a:t>15/02/2024</a:t>
             </a:fld>
             <a:endParaRPr lang="en-GB"/>
           </a:p>
@@ -2771,7 +2771,7 @@
           <a:p>
             <a:fld id="{C2A6F080-1DEF-4F63-BC52-259345FD7597}" type="datetimeFigureOut">
               <a:rPr lang="en-GB" smtClean="0"/>
-              <a:t>12/02/2024</a:t>
+              <a:t>15/02/2024</a:t>
             </a:fld>
             <a:endParaRPr lang="en-GB"/>
           </a:p>
@@ -3084,7 +3084,7 @@
           <a:p>
             <a:fld id="{C2A6F080-1DEF-4F63-BC52-259345FD7597}" type="datetimeFigureOut">
               <a:rPr lang="en-GB" smtClean="0"/>
-              <a:t>12/02/2024</a:t>
+              <a:t>15/02/2024</a:t>
             </a:fld>
             <a:endParaRPr lang="en-GB"/>
           </a:p>
@@ -3373,7 +3373,7 @@
           <a:p>
             <a:fld id="{C2A6F080-1DEF-4F63-BC52-259345FD7597}" type="datetimeFigureOut">
               <a:rPr lang="en-GB" smtClean="0"/>
-              <a:t>12/02/2024</a:t>
+              <a:t>15/02/2024</a:t>
             </a:fld>
             <a:endParaRPr lang="en-GB"/>
           </a:p>
@@ -3616,7 +3616,7 @@
           <a:p>
             <a:fld id="{C2A6F080-1DEF-4F63-BC52-259345FD7597}" type="datetimeFigureOut">
               <a:rPr lang="en-GB" smtClean="0"/>
-              <a:t>12/02/2024</a:t>
+              <a:t>15/02/2024</a:t>
             </a:fld>
             <a:endParaRPr lang="en-GB"/>
           </a:p>
@@ -7841,7 +7841,7 @@
         <p:spPr>
           <a:xfrm>
             <a:off x="746089" y="1328947"/>
-            <a:ext cx="9633857" cy="5078313"/>
+            <a:ext cx="9633857" cy="4801314"/>
           </a:xfrm>
           <a:prstGeom prst="rect">
             <a:avLst/>
@@ -7879,7 +7879,7 @@
                 <a:effectLst/>
                 <a:latin typeface="+mj-lt"/>
               </a:rPr>
-              <a:t>Bash is the default shell on most modern implementations of Unix and in most packages that provide Unix-like tools for Windows. </a:t>
+              <a:t>Bash is the default shell on most modern implementations of Unix. </a:t>
             </a:r>
           </a:p>
           <a:p>
@@ -8373,6 +8373,14 @@
 <file path=ppt/slides/slide6.xml><?xml version="1.0" encoding="utf-8"?>
 <p:sld xmlns:a="http://schemas.openxmlformats.org/drawingml/2006/main" xmlns:r="http://schemas.openxmlformats.org/officeDocument/2006/relationships" xmlns:p="http://schemas.openxmlformats.org/presentationml/2006/main">
   <p:cSld>
+    <p:bg>
+      <p:bgPr>
+        <a:solidFill>
+          <a:schemeClr val="bg1"/>
+        </a:solidFill>
+        <a:effectLst/>
+      </p:bgPr>
+    </p:bg>
     <p:spTree>
       <p:nvGrpSpPr>
         <p:cNvPr id="1" name=""/>
@@ -8387,6 +8395,66 @@
           <a:chExt cx="0" cy="0"/>
         </a:xfrm>
       </p:grpSpPr>
+      <p:sp useBgFill="1">
+        <p:nvSpPr>
+          <p:cNvPr id="14" name="Rectangle 13">
+            <a:extLst>
+              <a:ext uri="{FF2B5EF4-FFF2-40B4-BE49-F238E27FC236}">
+                <a16:creationId xmlns:a16="http://schemas.microsoft.com/office/drawing/2014/main" id="{9427AF5F-9A0E-42B7-A252-FD64C9885F9C}"/>
+              </a:ext>
+              <a:ext uri="{C183D7F6-B498-43B3-948B-1728B52AA6E4}">
+                <adec:decorative xmlns:adec="http://schemas.microsoft.com/office/drawing/2017/decorative" val="1"/>
+              </a:ext>
+            </a:extLst>
+          </p:cNvPr>
+          <p:cNvSpPr>
+            <a:spLocks noGrp="1" noRot="1" noChangeAspect="1" noMove="1" noResize="1" noEditPoints="1" noAdjustHandles="1" noChangeArrowheads="1" noChangeShapeType="1" noTextEdit="1"/>
+          </p:cNvSpPr>
+          <p:nvPr>
+            <p:extLst>
+              <p:ext uri="{386F3935-93C4-4BCD-93E2-E3B085C9AB24}">
+                <p16:designElem xmlns:p16="http://schemas.microsoft.com/office/powerpoint/2015/main" val="1"/>
+              </p:ext>
+            </p:extLst>
+          </p:nvPr>
+        </p:nvSpPr>
+        <p:spPr>
+          <a:xfrm>
+            <a:off x="-1" y="0"/>
+            <a:ext cx="12188952" cy="6858000"/>
+          </a:xfrm>
+          <a:prstGeom prst="rect">
+            <a:avLst/>
+          </a:prstGeom>
+          <a:ln>
+            <a:noFill/>
+          </a:ln>
+        </p:spPr>
+        <p:style>
+          <a:lnRef idx="2">
+            <a:schemeClr val="accent1">
+              <a:shade val="50000"/>
+            </a:schemeClr>
+          </a:lnRef>
+          <a:fillRef idx="1">
+            <a:schemeClr val="accent1"/>
+          </a:fillRef>
+          <a:effectRef idx="0">
+            <a:schemeClr val="accent1"/>
+          </a:effectRef>
+          <a:fontRef idx="minor">
+            <a:schemeClr val="lt1"/>
+          </a:fontRef>
+        </p:style>
+        <p:txBody>
+          <a:bodyPr rtlCol="0" anchor="ctr"/>
+          <a:lstStyle/>
+          <a:p>
+            <a:pPr algn="ctr"/>
+            <a:endParaRPr lang="en-US"/>
+          </a:p>
+        </p:txBody>
+      </p:sp>
       <p:sp>
         <p:nvSpPr>
           <p:cNvPr id="2" name="Title 1">
@@ -8403,14 +8471,29 @@
             <p:ph type="title"/>
           </p:nvPr>
         </p:nvSpPr>
-        <p:spPr/>
+        <p:spPr>
+          <a:xfrm>
+            <a:off x="838200" y="365125"/>
+            <a:ext cx="10515600" cy="1306443"/>
+          </a:xfrm>
+        </p:spPr>
         <p:txBody>
-          <a:bodyPr/>
+          <a:bodyPr vert="horz" lIns="91440" tIns="45720" rIns="91440" bIns="45720" rtlCol="0" anchor="ctr">
+            <a:normAutofit/>
+          </a:bodyPr>
           <a:lstStyle/>
           <a:p>
             <a:r>
-              <a:rPr lang="en-GB" dirty="0"/>
-              <a:t>Today , we will use the shell for:</a:t>
+              <a:rPr lang="en-US" sz="4000"/>
+              <a:t>Today , we will use the </a:t>
+            </a:r>
+            <a:r>
+              <a:rPr lang="en-US" sz="4000" u="sng"/>
+              <a:t>shell</a:t>
+            </a:r>
+            <a:r>
+              <a:rPr lang="en-US" sz="4000"/>
+              <a:t> for:</a:t>
             </a:r>
           </a:p>
         </p:txBody>
@@ -8429,41 +8512,97 @@
         </p:nvSpPr>
         <p:spPr>
           <a:xfrm>
-            <a:off x="994787" y="2049864"/>
-            <a:ext cx="3973524" cy="707886"/>
+            <a:off x="838200" y="1825625"/>
+            <a:ext cx="4152774" cy="4303464"/>
+          </a:xfrm>
+          <a:prstGeom prst="rect">
+            <a:avLst/>
+          </a:prstGeom>
+        </p:spPr>
+        <p:txBody>
+          <a:bodyPr vert="horz" lIns="91440" tIns="45720" rIns="91440" bIns="45720" rtlCol="0">
+            <a:normAutofit/>
+          </a:bodyPr>
+          <a:lstStyle/>
+          <a:p>
+            <a:pPr marL="285750" indent="-228600">
+              <a:lnSpc>
+                <a:spcPct val="90000"/>
+              </a:lnSpc>
+              <a:spcAft>
+                <a:spcPts val="600"/>
+              </a:spcAft>
+              <a:buFont typeface="Arial" panose="020B0604020202020204" pitchFamily="34" charset="0"/>
+              <a:buChar char="•"/>
+            </a:pPr>
+            <a:r>
+              <a:rPr lang="en-US" sz="2000"/>
+              <a:t>Navigate files and directories</a:t>
+            </a:r>
+          </a:p>
+          <a:p>
+            <a:pPr marL="285750" indent="-228600">
+              <a:lnSpc>
+                <a:spcPct val="90000"/>
+              </a:lnSpc>
+              <a:spcAft>
+                <a:spcPts val="600"/>
+              </a:spcAft>
+              <a:buFont typeface="Arial" panose="020B0604020202020204" pitchFamily="34" charset="0"/>
+              <a:buChar char="•"/>
+            </a:pPr>
+            <a:r>
+              <a:rPr lang="en-US" sz="2000"/>
+              <a:t>Working with files and directories</a:t>
+            </a:r>
+          </a:p>
+        </p:txBody>
+      </p:sp>
+      <p:pic>
+        <p:nvPicPr>
+          <p:cNvPr id="4" name="Picture 18" descr="Linux Command Line Interface Introduction: A Guide to the Linux CLI | Linux  Journal">
+            <a:extLst>
+              <a:ext uri="{FF2B5EF4-FFF2-40B4-BE49-F238E27FC236}">
+                <a16:creationId xmlns:a16="http://schemas.microsoft.com/office/drawing/2014/main" id="{DC251AA5-14DA-96D0-3538-21667F551394}"/>
+              </a:ext>
+            </a:extLst>
+          </p:cNvPr>
+          <p:cNvPicPr>
+            <a:picLocks noChangeAspect="1" noChangeArrowheads="1"/>
+          </p:cNvPicPr>
+          <p:nvPr/>
+        </p:nvPicPr>
+        <p:blipFill rotWithShape="1">
+          <a:blip r:embed="rId2">
+            <a:extLst>
+              <a:ext uri="{28A0092B-C50C-407E-A947-70E740481C1C}">
+                <a14:useLocalDpi xmlns:a14="http://schemas.microsoft.com/office/drawing/2010/main" val="0"/>
+              </a:ext>
+            </a:extLst>
+          </a:blip>
+          <a:srcRect r="36612"/>
+          <a:stretch/>
+        </p:blipFill>
+        <p:spPr bwMode="auto">
+          <a:xfrm>
+            <a:off x="5740580" y="1904282"/>
+            <a:ext cx="5613219" cy="3843375"/>
           </a:xfrm>
           <a:prstGeom prst="rect">
             <a:avLst/>
           </a:prstGeom>
           <a:noFill/>
+          <a:extLst>
+            <a:ext uri="{909E8E84-426E-40DD-AFC4-6F175D3DCCD1}">
+              <a14:hiddenFill xmlns:a14="http://schemas.microsoft.com/office/drawing/2010/main">
+                <a:solidFill>
+                  <a:srgbClr val="FFFFFF"/>
+                </a:solidFill>
+              </a14:hiddenFill>
+            </a:ext>
+          </a:extLst>
         </p:spPr>
-        <p:txBody>
-          <a:bodyPr wrap="none" rtlCol="0">
-            <a:spAutoFit/>
-          </a:bodyPr>
-          <a:lstStyle/>
-          <a:p>
-            <a:pPr marL="285750" indent="-285750">
-              <a:buFont typeface="Arial" panose="020B0604020202020204" pitchFamily="34" charset="0"/>
-              <a:buChar char="•"/>
-            </a:pPr>
-            <a:r>
-              <a:rPr lang="en-GB" sz="2000" dirty="0"/>
-              <a:t>Navigate files and directories</a:t>
-            </a:r>
-          </a:p>
-          <a:p>
-            <a:pPr marL="285750" indent="-285750">
-              <a:buFont typeface="Arial" panose="020B0604020202020204" pitchFamily="34" charset="0"/>
-              <a:buChar char="•"/>
-            </a:pPr>
-            <a:r>
-              <a:rPr lang="en-GB" sz="2000" dirty="0"/>
-              <a:t>Working with files and directories</a:t>
-            </a:r>
-          </a:p>
-        </p:txBody>
-      </p:sp>
+      </p:pic>
     </p:spTree>
     <p:extLst>
       <p:ext uri="{BB962C8B-B14F-4D97-AF65-F5344CB8AC3E}">

--- a/Unix Introduction (day 1).pptx
+++ b/Unix Introduction (day 1).pptx
@@ -5,7 +5,7 @@
     <p:sldMasterId id="2147483648" r:id="rId1"/>
   </p:sldMasterIdLst>
   <p:notesMasterIdLst>
-    <p:notesMasterId r:id="rId11"/>
+    <p:notesMasterId r:id="rId12"/>
   </p:notesMasterIdLst>
   <p:sldIdLst>
     <p:sldId id="256" r:id="rId2"/>
@@ -16,7 +16,8 @@
     <p:sldId id="263" r:id="rId7"/>
     <p:sldId id="262" r:id="rId8"/>
     <p:sldId id="264" r:id="rId9"/>
-    <p:sldId id="265" r:id="rId10"/>
+    <p:sldId id="266" r:id="rId10"/>
+    <p:sldId id="265" r:id="rId11"/>
   </p:sldIdLst>
   <p:sldSz cx="12192000" cy="6858000"/>
   <p:notesSz cx="6858000" cy="9144000"/>
@@ -259,7 +260,7 @@
           <a:p>
             <a:fld id="{44DB051A-0746-4CA0-A5DB-28CA54B19302}" type="datetimeFigureOut">
               <a:rPr lang="en-GB" smtClean="0"/>
-              <a:t>15/02/2024</a:t>
+              <a:t>20/02/2024</a:t>
             </a:fld>
             <a:endParaRPr lang="en-GB"/>
           </a:p>
@@ -798,6 +799,90 @@
 </p:notes>
 </file>
 
+<file path=ppt/notesSlides/notesSlide3.xml><?xml version="1.0" encoding="utf-8"?>
+<p:notes xmlns:a="http://schemas.openxmlformats.org/drawingml/2006/main" xmlns:r="http://schemas.openxmlformats.org/officeDocument/2006/relationships" xmlns:p="http://schemas.openxmlformats.org/presentationml/2006/main">
+  <p:cSld>
+    <p:spTree>
+      <p:nvGrpSpPr>
+        <p:cNvPr id="1" name=""/>
+        <p:cNvGrpSpPr/>
+        <p:nvPr/>
+      </p:nvGrpSpPr>
+      <p:grpSpPr>
+        <a:xfrm>
+          <a:off x="0" y="0"/>
+          <a:ext cx="0" cy="0"/>
+          <a:chOff x="0" y="0"/>
+          <a:chExt cx="0" cy="0"/>
+        </a:xfrm>
+      </p:grpSpPr>
+      <p:sp>
+        <p:nvSpPr>
+          <p:cNvPr id="2" name="Slide Image Placeholder 1"/>
+          <p:cNvSpPr>
+            <a:spLocks noGrp="1" noRot="1" noChangeAspect="1"/>
+          </p:cNvSpPr>
+          <p:nvPr>
+            <p:ph type="sldImg"/>
+          </p:nvPr>
+        </p:nvSpPr>
+        <p:spPr/>
+      </p:sp>
+      <p:sp>
+        <p:nvSpPr>
+          <p:cNvPr id="3" name="Notes Placeholder 2"/>
+          <p:cNvSpPr>
+            <a:spLocks noGrp="1"/>
+          </p:cNvSpPr>
+          <p:nvPr>
+            <p:ph type="body" idx="1"/>
+          </p:nvPr>
+        </p:nvSpPr>
+        <p:spPr/>
+        <p:txBody>
+          <a:bodyPr/>
+          <a:lstStyle/>
+          <a:p>
+            <a:endParaRPr lang="en-GB" dirty="0"/>
+          </a:p>
+        </p:txBody>
+      </p:sp>
+      <p:sp>
+        <p:nvSpPr>
+          <p:cNvPr id="4" name="Slide Number Placeholder 3"/>
+          <p:cNvSpPr>
+            <a:spLocks noGrp="1"/>
+          </p:cNvSpPr>
+          <p:nvPr>
+            <p:ph type="sldNum" sz="quarter" idx="5"/>
+          </p:nvPr>
+        </p:nvSpPr>
+        <p:spPr/>
+        <p:txBody>
+          <a:bodyPr/>
+          <a:lstStyle/>
+          <a:p>
+            <a:fld id="{E9000BB1-5D4D-4A3E-B4BF-17AD0C90FF67}" type="slidenum">
+              <a:rPr lang="en-GB" smtClean="0"/>
+              <a:t>9</a:t>
+            </a:fld>
+            <a:endParaRPr lang="en-GB"/>
+          </a:p>
+        </p:txBody>
+      </p:sp>
+    </p:spTree>
+    <p:extLst>
+      <p:ext uri="{BB962C8B-B14F-4D97-AF65-F5344CB8AC3E}">
+        <p14:creationId xmlns:p14="http://schemas.microsoft.com/office/powerpoint/2010/main" val="3453984494"/>
+      </p:ext>
+    </p:extLst>
+  </p:cSld>
+  <p:clrMapOvr>
+    <a:masterClrMapping/>
+  </p:clrMapOvr>
+</p:notes>
+</file>
+
 <file path=ppt/slideLayouts/slideLayout1.xml><?xml version="1.0" encoding="utf-8"?>
 <p:sldLayout xmlns:a="http://schemas.openxmlformats.org/drawingml/2006/main" xmlns:r="http://schemas.openxmlformats.org/officeDocument/2006/relationships" xmlns:p="http://schemas.openxmlformats.org/presentationml/2006/main" type="title" preserve="1">
   <p:cSld name="Title Slide">
@@ -947,7 +1032,7 @@
           <a:p>
             <a:fld id="{C2A6F080-1DEF-4F63-BC52-259345FD7597}" type="datetimeFigureOut">
               <a:rPr lang="en-GB" smtClean="0"/>
-              <a:t>15/02/2024</a:t>
+              <a:t>20/02/2024</a:t>
             </a:fld>
             <a:endParaRPr lang="en-GB"/>
           </a:p>
@@ -1147,7 +1232,7 @@
           <a:p>
             <a:fld id="{C2A6F080-1DEF-4F63-BC52-259345FD7597}" type="datetimeFigureOut">
               <a:rPr lang="en-GB" smtClean="0"/>
-              <a:t>15/02/2024</a:t>
+              <a:t>20/02/2024</a:t>
             </a:fld>
             <a:endParaRPr lang="en-GB"/>
           </a:p>
@@ -1357,7 +1442,7 @@
           <a:p>
             <a:fld id="{C2A6F080-1DEF-4F63-BC52-259345FD7597}" type="datetimeFigureOut">
               <a:rPr lang="en-GB" smtClean="0"/>
-              <a:t>15/02/2024</a:t>
+              <a:t>20/02/2024</a:t>
             </a:fld>
             <a:endParaRPr lang="en-GB"/>
           </a:p>
@@ -1557,7 +1642,7 @@
           <a:p>
             <a:fld id="{C2A6F080-1DEF-4F63-BC52-259345FD7597}" type="datetimeFigureOut">
               <a:rPr lang="en-GB" smtClean="0"/>
-              <a:t>15/02/2024</a:t>
+              <a:t>20/02/2024</a:t>
             </a:fld>
             <a:endParaRPr lang="en-GB"/>
           </a:p>
@@ -1833,7 +1918,7 @@
           <a:p>
             <a:fld id="{C2A6F080-1DEF-4F63-BC52-259345FD7597}" type="datetimeFigureOut">
               <a:rPr lang="en-GB" smtClean="0"/>
-              <a:t>15/02/2024</a:t>
+              <a:t>20/02/2024</a:t>
             </a:fld>
             <a:endParaRPr lang="en-GB"/>
           </a:p>
@@ -2101,7 +2186,7 @@
           <a:p>
             <a:fld id="{C2A6F080-1DEF-4F63-BC52-259345FD7597}" type="datetimeFigureOut">
               <a:rPr lang="en-GB" smtClean="0"/>
-              <a:t>15/02/2024</a:t>
+              <a:t>20/02/2024</a:t>
             </a:fld>
             <a:endParaRPr lang="en-GB"/>
           </a:p>
@@ -2516,7 +2601,7 @@
           <a:p>
             <a:fld id="{C2A6F080-1DEF-4F63-BC52-259345FD7597}" type="datetimeFigureOut">
               <a:rPr lang="en-GB" smtClean="0"/>
-              <a:t>15/02/2024</a:t>
+              <a:t>20/02/2024</a:t>
             </a:fld>
             <a:endParaRPr lang="en-GB"/>
           </a:p>
@@ -2658,7 +2743,7 @@
           <a:p>
             <a:fld id="{C2A6F080-1DEF-4F63-BC52-259345FD7597}" type="datetimeFigureOut">
               <a:rPr lang="en-GB" smtClean="0"/>
-              <a:t>15/02/2024</a:t>
+              <a:t>20/02/2024</a:t>
             </a:fld>
             <a:endParaRPr lang="en-GB"/>
           </a:p>
@@ -2771,7 +2856,7 @@
           <a:p>
             <a:fld id="{C2A6F080-1DEF-4F63-BC52-259345FD7597}" type="datetimeFigureOut">
               <a:rPr lang="en-GB" smtClean="0"/>
-              <a:t>15/02/2024</a:t>
+              <a:t>20/02/2024</a:t>
             </a:fld>
             <a:endParaRPr lang="en-GB"/>
           </a:p>
@@ -3084,7 +3169,7 @@
           <a:p>
             <a:fld id="{C2A6F080-1DEF-4F63-BC52-259345FD7597}" type="datetimeFigureOut">
               <a:rPr lang="en-GB" smtClean="0"/>
-              <a:t>15/02/2024</a:t>
+              <a:t>20/02/2024</a:t>
             </a:fld>
             <a:endParaRPr lang="en-GB"/>
           </a:p>
@@ -3373,7 +3458,7 @@
           <a:p>
             <a:fld id="{C2A6F080-1DEF-4F63-BC52-259345FD7597}" type="datetimeFigureOut">
               <a:rPr lang="en-GB" smtClean="0"/>
-              <a:t>15/02/2024</a:t>
+              <a:t>20/02/2024</a:t>
             </a:fld>
             <a:endParaRPr lang="en-GB"/>
           </a:p>
@@ -3616,7 +3701,7 @@
           <a:p>
             <a:fld id="{C2A6F080-1DEF-4F63-BC52-259345FD7597}" type="datetimeFigureOut">
               <a:rPr lang="en-GB" smtClean="0"/>
-              <a:t>15/02/2024</a:t>
+              <a:t>20/02/2024</a:t>
             </a:fld>
             <a:endParaRPr lang="en-GB"/>
           </a:p>
@@ -4065,6 +4150,194 @@
     <p:extLst>
       <p:ext uri="{BB962C8B-B14F-4D97-AF65-F5344CB8AC3E}">
         <p14:creationId xmlns:p14="http://schemas.microsoft.com/office/powerpoint/2010/main" val="6563602"/>
+      </p:ext>
+    </p:extLst>
+  </p:cSld>
+  <p:clrMapOvr>
+    <a:masterClrMapping/>
+  </p:clrMapOvr>
+</p:sld>
+</file>
+
+<file path=ppt/slides/slide10.xml><?xml version="1.0" encoding="utf-8"?>
+<p:sld xmlns:a="http://schemas.openxmlformats.org/drawingml/2006/main" xmlns:r="http://schemas.openxmlformats.org/officeDocument/2006/relationships" xmlns:p="http://schemas.openxmlformats.org/presentationml/2006/main">
+  <p:cSld>
+    <p:spTree>
+      <p:nvGrpSpPr>
+        <p:cNvPr id="1" name=""/>
+        <p:cNvGrpSpPr/>
+        <p:nvPr/>
+      </p:nvGrpSpPr>
+      <p:grpSpPr>
+        <a:xfrm>
+          <a:off x="0" y="0"/>
+          <a:ext cx="0" cy="0"/>
+          <a:chOff x="0" y="0"/>
+          <a:chExt cx="0" cy="0"/>
+        </a:xfrm>
+      </p:grpSpPr>
+      <p:sp>
+        <p:nvSpPr>
+          <p:cNvPr id="2" name="Title 1">
+            <a:extLst>
+              <a:ext uri="{FF2B5EF4-FFF2-40B4-BE49-F238E27FC236}">
+                <a16:creationId xmlns:a16="http://schemas.microsoft.com/office/drawing/2014/main" id="{4A7D77F8-3155-DABE-5900-2BDD65B3BB69}"/>
+              </a:ext>
+            </a:extLst>
+          </p:cNvPr>
+          <p:cNvSpPr>
+            <a:spLocks noGrp="1"/>
+          </p:cNvSpPr>
+          <p:nvPr>
+            <p:ph type="title"/>
+          </p:nvPr>
+        </p:nvSpPr>
+        <p:spPr/>
+        <p:txBody>
+          <a:bodyPr/>
+          <a:lstStyle/>
+          <a:p>
+            <a:r>
+              <a:rPr lang="en-GB" dirty="0"/>
+              <a:t>File structure</a:t>
+            </a:r>
+          </a:p>
+        </p:txBody>
+      </p:sp>
+      <p:sp>
+        <p:nvSpPr>
+          <p:cNvPr id="3" name="TextBox 2">
+            <a:extLst>
+              <a:ext uri="{FF2B5EF4-FFF2-40B4-BE49-F238E27FC236}">
+                <a16:creationId xmlns:a16="http://schemas.microsoft.com/office/drawing/2014/main" id="{2E681665-BFAA-B22D-7A1C-C62BE75BFFC3}"/>
+              </a:ext>
+            </a:extLst>
+          </p:cNvPr>
+          <p:cNvSpPr txBox="1"/>
+          <p:nvPr/>
+        </p:nvSpPr>
+        <p:spPr>
+          <a:xfrm>
+            <a:off x="926541" y="1599228"/>
+            <a:ext cx="10338917" cy="4893647"/>
+          </a:xfrm>
+          <a:prstGeom prst="rect">
+            <a:avLst/>
+          </a:prstGeom>
+          <a:noFill/>
+        </p:spPr>
+        <p:txBody>
+          <a:bodyPr wrap="square" rtlCol="0">
+            <a:spAutoFit/>
+          </a:bodyPr>
+          <a:lstStyle/>
+          <a:p>
+            <a:r>
+              <a:rPr lang="en-GB" sz="2400" dirty="0">
+                <a:latin typeface="+mj-lt"/>
+              </a:rPr>
+              <a:t>- Locate your Desktop folder </a:t>
+            </a:r>
+          </a:p>
+          <a:p>
+            <a:r>
+              <a:rPr lang="en-GB" sz="2400" dirty="0">
+                <a:latin typeface="+mj-lt"/>
+              </a:rPr>
+              <a:t>- Move to your Desktop folder </a:t>
+            </a:r>
+          </a:p>
+          <a:p>
+            <a:r>
+              <a:rPr lang="en-GB" sz="2400" dirty="0">
+                <a:latin typeface="+mj-lt"/>
+              </a:rPr>
+              <a:t>- Create a directory with the following internal pattern:</a:t>
+            </a:r>
+          </a:p>
+          <a:p>
+            <a:endParaRPr lang="en-GB" sz="2400" dirty="0">
+              <a:latin typeface="+mj-lt"/>
+            </a:endParaRPr>
+          </a:p>
+          <a:p>
+            <a:r>
+              <a:rPr lang="en-GB" sz="2400" b="1" dirty="0">
+                <a:latin typeface="+mj-lt"/>
+              </a:rPr>
+              <a:t>Thesis</a:t>
+            </a:r>
+          </a:p>
+          <a:p>
+            <a:r>
+              <a:rPr lang="en-GB" sz="2400" dirty="0">
+                <a:latin typeface="+mj-lt"/>
+              </a:rPr>
+              <a:t>|── data/</a:t>
+            </a:r>
+          </a:p>
+          <a:p>
+            <a:r>
+              <a:rPr lang="en-GB" sz="2400" dirty="0">
+                <a:latin typeface="+mj-lt"/>
+              </a:rPr>
+              <a:t>│   |── a.dat</a:t>
+            </a:r>
+          </a:p>
+          <a:p>
+            <a:r>
+              <a:rPr lang="en-GB" sz="2400" dirty="0">
+                <a:latin typeface="+mj-lt"/>
+              </a:rPr>
+              <a:t>│   |── b.dat</a:t>
+            </a:r>
+          </a:p>
+          <a:p>
+            <a:r>
+              <a:rPr lang="en-GB" sz="2400" dirty="0">
+                <a:latin typeface="+mj-lt"/>
+              </a:rPr>
+              <a:t>│   |── c.dat</a:t>
+            </a:r>
+          </a:p>
+          <a:p>
+            <a:r>
+              <a:rPr lang="en-GB" sz="2400" dirty="0">
+                <a:latin typeface="+mj-lt"/>
+              </a:rPr>
+              <a:t>|── docs/</a:t>
+            </a:r>
+          </a:p>
+          <a:p>
+            <a:r>
+              <a:rPr lang="en-GB" sz="2400" dirty="0">
+                <a:latin typeface="+mj-lt"/>
+              </a:rPr>
+              <a:t>|── scripts/</a:t>
+            </a:r>
+          </a:p>
+          <a:p>
+            <a:r>
+              <a:rPr lang="en-GB" sz="2400" dirty="0">
+                <a:latin typeface="+mj-lt"/>
+              </a:rPr>
+              <a:t>      |── raw_data_processing.py</a:t>
+            </a:r>
+          </a:p>
+          <a:p>
+            <a:r>
+              <a:rPr lang="en-GB" sz="2400" dirty="0">
+                <a:latin typeface="+mj-lt"/>
+              </a:rPr>
+              <a:t>manuscript.tex</a:t>
+            </a:r>
+          </a:p>
+        </p:txBody>
+      </p:sp>
+    </p:spTree>
+    <p:extLst>
+      <p:ext uri="{BB962C8B-B14F-4D97-AF65-F5344CB8AC3E}">
+        <p14:creationId xmlns:p14="http://schemas.microsoft.com/office/powerpoint/2010/main" val="4208749484"/>
       </p:ext>
     </p:extLst>
   </p:cSld>
@@ -10289,168 +10562,39 @@
           <a:chExt cx="0" cy="0"/>
         </a:xfrm>
       </p:grpSpPr>
-      <p:sp>
-        <p:nvSpPr>
-          <p:cNvPr id="2" name="Title 1">
+      <p:pic>
+        <p:nvPicPr>
+          <p:cNvPr id="4" name="Picture 3">
             <a:extLst>
               <a:ext uri="{FF2B5EF4-FFF2-40B4-BE49-F238E27FC236}">
-                <a16:creationId xmlns:a16="http://schemas.microsoft.com/office/drawing/2014/main" id="{4A7D77F8-3155-DABE-5900-2BDD65B3BB69}"/>
+                <a16:creationId xmlns:a16="http://schemas.microsoft.com/office/drawing/2014/main" id="{C1CD0DD4-C982-C7D2-71C3-0C5096591243}"/>
               </a:ext>
             </a:extLst>
           </p:cNvPr>
-          <p:cNvSpPr>
-            <a:spLocks noGrp="1"/>
-          </p:cNvSpPr>
-          <p:nvPr>
-            <p:ph type="title"/>
-          </p:nvPr>
-        </p:nvSpPr>
-        <p:spPr/>
-        <p:txBody>
-          <a:bodyPr/>
-          <a:lstStyle/>
-          <a:p>
-            <a:r>
-              <a:rPr lang="en-GB" dirty="0"/>
-              <a:t>File structure</a:t>
-            </a:r>
-          </a:p>
-        </p:txBody>
-      </p:sp>
-      <p:sp>
-        <p:nvSpPr>
-          <p:cNvPr id="3" name="TextBox 2">
-            <a:extLst>
-              <a:ext uri="{FF2B5EF4-FFF2-40B4-BE49-F238E27FC236}">
-                <a16:creationId xmlns:a16="http://schemas.microsoft.com/office/drawing/2014/main" id="{2E681665-BFAA-B22D-7A1C-C62BE75BFFC3}"/>
-              </a:ext>
-            </a:extLst>
-          </p:cNvPr>
-          <p:cNvSpPr txBox="1"/>
+          <p:cNvPicPr>
+            <a:picLocks noChangeAspect="1"/>
+          </p:cNvPicPr>
           <p:nvPr/>
-        </p:nvSpPr>
+        </p:nvPicPr>
+        <p:blipFill rotWithShape="1">
+          <a:blip r:embed="rId3"/>
+          <a:srcRect l="39074" t="18222" r="9167" b="6815"/>
+          <a:stretch/>
+        </p:blipFill>
         <p:spPr>
           <a:xfrm>
-            <a:off x="926541" y="1599228"/>
-            <a:ext cx="10338917" cy="4893647"/>
+            <a:off x="2560320" y="0"/>
+            <a:ext cx="7528560" cy="6814761"/>
           </a:xfrm>
           <a:prstGeom prst="rect">
             <a:avLst/>
           </a:prstGeom>
-          <a:noFill/>
         </p:spPr>
-        <p:txBody>
-          <a:bodyPr wrap="square" rtlCol="0">
-            <a:spAutoFit/>
-          </a:bodyPr>
-          <a:lstStyle/>
-          <a:p>
-            <a:r>
-              <a:rPr lang="en-GB" sz="2400" dirty="0">
-                <a:latin typeface="+mj-lt"/>
-              </a:rPr>
-              <a:t>- Locate your Desktop folder </a:t>
-            </a:r>
-          </a:p>
-          <a:p>
-            <a:r>
-              <a:rPr lang="en-GB" sz="2400" dirty="0">
-                <a:latin typeface="+mj-lt"/>
-              </a:rPr>
-              <a:t>- Move to your Desktop folder </a:t>
-            </a:r>
-          </a:p>
-          <a:p>
-            <a:r>
-              <a:rPr lang="en-GB" sz="2400" dirty="0">
-                <a:latin typeface="+mj-lt"/>
-              </a:rPr>
-              <a:t>- Create a directory with the following internal pattern:</a:t>
-            </a:r>
-          </a:p>
-          <a:p>
-            <a:endParaRPr lang="en-GB" sz="2400" dirty="0">
-              <a:latin typeface="+mj-lt"/>
-            </a:endParaRPr>
-          </a:p>
-          <a:p>
-            <a:r>
-              <a:rPr lang="en-GB" sz="2400" b="1" dirty="0">
-                <a:latin typeface="+mj-lt"/>
-              </a:rPr>
-              <a:t>Thesis</a:t>
-            </a:r>
-          </a:p>
-          <a:p>
-            <a:r>
-              <a:rPr lang="en-GB" sz="2400" dirty="0">
-                <a:latin typeface="+mj-lt"/>
-              </a:rPr>
-              <a:t>|── data/</a:t>
-            </a:r>
-          </a:p>
-          <a:p>
-            <a:r>
-              <a:rPr lang="en-GB" sz="2400" dirty="0">
-                <a:latin typeface="+mj-lt"/>
-              </a:rPr>
-              <a:t>│   |── a.dat</a:t>
-            </a:r>
-          </a:p>
-          <a:p>
-            <a:r>
-              <a:rPr lang="en-GB" sz="2400" dirty="0">
-                <a:latin typeface="+mj-lt"/>
-              </a:rPr>
-              <a:t>│   |── b.dat</a:t>
-            </a:r>
-          </a:p>
-          <a:p>
-            <a:r>
-              <a:rPr lang="en-GB" sz="2400" dirty="0">
-                <a:latin typeface="+mj-lt"/>
-              </a:rPr>
-              <a:t>│   |── c.dat</a:t>
-            </a:r>
-          </a:p>
-          <a:p>
-            <a:r>
-              <a:rPr lang="en-GB" sz="2400" dirty="0">
-                <a:latin typeface="+mj-lt"/>
-              </a:rPr>
-              <a:t>|── docs/</a:t>
-            </a:r>
-          </a:p>
-          <a:p>
-            <a:r>
-              <a:rPr lang="en-GB" sz="2400" dirty="0">
-                <a:latin typeface="+mj-lt"/>
-              </a:rPr>
-              <a:t>|── scripts/</a:t>
-            </a:r>
-          </a:p>
-          <a:p>
-            <a:r>
-              <a:rPr lang="en-GB" sz="2400" dirty="0">
-                <a:latin typeface="+mj-lt"/>
-              </a:rPr>
-              <a:t>      |── raw_data_processing.py</a:t>
-            </a:r>
-          </a:p>
-          <a:p>
-            <a:r>
-              <a:rPr lang="en-GB" sz="2400" dirty="0">
-                <a:latin typeface="+mj-lt"/>
-              </a:rPr>
-              <a:t>manuscript.tex</a:t>
-            </a:r>
-          </a:p>
-        </p:txBody>
-      </p:sp>
+      </p:pic>
     </p:spTree>
     <p:extLst>
       <p:ext uri="{BB962C8B-B14F-4D97-AF65-F5344CB8AC3E}">
-        <p14:creationId xmlns:p14="http://schemas.microsoft.com/office/powerpoint/2010/main" val="4208749484"/>
+        <p14:creationId xmlns:p14="http://schemas.microsoft.com/office/powerpoint/2010/main" val="460230788"/>
       </p:ext>
     </p:extLst>
   </p:cSld>
